--- a/Examples/Data/Slides/CRUD/SplitFileToMultiFiles_out0.pptx
+++ b/Examples/Data/Slides/CRUD/SplitFileToMultiFiles_out0.pptx
@@ -710,7 +710,7 @@
           <a:bodyPr/>
           <a:lstStyle/>
           <a:p>
-            <a:fld id="{04A32BFE-0259-4CFB-AF9E-05A4BB671376}" type="datetimeFigureOut">
+            <a:fld id="{77434A71-BC1E-4925-8F79-0E0FB8DDE9B1}" type="datetimeFigureOut">
               <a:rPr lang="en-US" smtClean="0"/>
               <a:t>11/7/2009</a:t>
             </a:fld>
@@ -874,7 +874,7 @@
           <a:bodyPr/>
           <a:lstStyle/>
           <a:p>
-            <a:fld id="{C4B1FF7C-4A39-494E-B7AC-51A19BFC7C87}" type="datetimeFigureOut">
+            <a:fld id="{30E96044-076E-4B52-9B6B-5EEBAE6BF0C8}" type="datetimeFigureOut">
               <a:rPr lang="en-US" smtClean="0"/>
               <a:t>11/7/2009</a:t>
             </a:fld>
@@ -1038,7 +1038,7 @@
           <a:bodyPr/>
           <a:lstStyle/>
           <a:p>
-            <a:fld id="{879162D0-4825-45A4-97D8-D8C386D1ED2B}" type="datetimeFigureOut">
+            <a:fld id="{B3D27901-008B-4497-8793-61058FA7146A}" type="datetimeFigureOut">
               <a:rPr lang="en-US" smtClean="0"/>
               <a:t>11/7/2009</a:t>
             </a:fld>
@@ -1292,7 +1292,7 @@
           <a:bodyPr/>
           <a:lstStyle/>
           <a:p>
-            <a:fld id="{31C969F5-9ACE-4828-864D-003DF4C34D21}" type="datetimeFigureOut">
+            <a:fld id="{97EBE4D4-064A-4C21-B947-86590CB2245B}" type="datetimeFigureOut">
               <a:rPr lang="en-US" smtClean="0"/>
               <a:t>11/7/2009</a:t>
             </a:fld>
@@ -1522,7 +1522,7 @@
           <a:bodyPr/>
           <a:lstStyle/>
           <a:p>
-            <a:fld id="{1664591D-D6B4-41AF-93F8-AD8EA31F7996}" type="datetimeFigureOut">
+            <a:fld id="{65202F4E-56E7-400C-92DE-ABCFF351C61C}" type="datetimeFigureOut">
               <a:rPr lang="en-US" smtClean="0"/>
               <a:t>11/7/2009</a:t>
             </a:fld>
@@ -1793,7 +1793,7 @@
           <a:bodyPr/>
           <a:lstStyle/>
           <a:p>
-            <a:fld id="{0352EB50-DB3F-4ECA-90F5-FD5E9FC67B19}" type="datetimeFigureOut">
+            <a:fld id="{F1FA383A-AE75-41E8-A35B-673CDF1E1A0E}" type="datetimeFigureOut">
               <a:rPr lang="en-US" smtClean="0"/>
               <a:t>11/7/2009</a:t>
             </a:fld>
@@ -2182,7 +2182,7 @@
           <a:bodyPr/>
           <a:lstStyle/>
           <a:p>
-            <a:fld id="{64807DF6-23A8-490A-A858-501B67D3D2CA}" type="datetimeFigureOut">
+            <a:fld id="{019A3097-4293-4454-A986-DB15A9013DD9}" type="datetimeFigureOut">
               <a:rPr lang="en-US" smtClean="0"/>
               <a:t>11/7/2009</a:t>
             </a:fld>
@@ -2295,7 +2295,7 @@
           <a:bodyPr/>
           <a:lstStyle/>
           <a:p>
-            <a:fld id="{AB31964E-24D6-414E-93CF-191297B105ED}" type="datetimeFigureOut">
+            <a:fld id="{3160D743-C8FC-4E18-99DB-890178EA0568}" type="datetimeFigureOut">
               <a:rPr lang="en-US" smtClean="0"/>
               <a:t>11/7/2009</a:t>
             </a:fld>
@@ -2385,7 +2385,7 @@
           <a:bodyPr/>
           <a:lstStyle/>
           <a:p>
-            <a:fld id="{EB48A588-B663-48A1-8E2A-DE188FCB5C05}" type="datetimeFigureOut">
+            <a:fld id="{EED995CE-C382-4CD7-8674-BFF6DA7A4BE2}" type="datetimeFigureOut">
               <a:rPr lang="en-US" smtClean="0"/>
               <a:t>11/7/2009</a:t>
             </a:fld>
@@ -2640,7 +2640,7 @@
           <a:bodyPr/>
           <a:lstStyle/>
           <a:p>
-            <a:fld id="{412319B3-1113-43B5-B290-3129CCD3C01A}" type="datetimeFigureOut">
+            <a:fld id="{88239D6C-E4C6-4B80-8D45-84872BA3F16E}" type="datetimeFigureOut">
               <a:rPr lang="en-US" smtClean="0"/>
               <a:t>11/7/2009</a:t>
             </a:fld>
@@ -2872,7 +2872,7 @@
           <a:bodyPr/>
           <a:lstStyle/>
           <a:p>
-            <a:fld id="{7C51697C-0357-481D-ACF6-D8A45B4F08F0}" type="datetimeFigureOut">
+            <a:fld id="{4CE2EE1C-CF44-48A7-B3A4-EF94F93E5859}" type="datetimeFigureOut">
               <a:rPr lang="en-US" smtClean="0"/>
               <a:t>11/7/2009</a:t>
             </a:fld>
